--- a/symposium/6th/img/cover.pptx
+++ b/symposium/6th/img/cover.pptx
@@ -243,7 +243,7 @@
           <a:p>
             <a:fld id="{3C698B4D-7A14-4A28-B39D-D02AF49E47D1}" type="datetimeFigureOut">
               <a:rPr lang="ko-KR" altLang="en-US" smtClean="0"/>
-              <a:t>2022-10-14</a:t>
+              <a:t>2024-02-15</a:t>
             </a:fld>
             <a:endParaRPr lang="ko-KR" altLang="en-US"/>
           </a:p>
@@ -413,7 +413,7 @@
           <a:p>
             <a:fld id="{3C698B4D-7A14-4A28-B39D-D02AF49E47D1}" type="datetimeFigureOut">
               <a:rPr lang="ko-KR" altLang="en-US" smtClean="0"/>
-              <a:t>2022-10-14</a:t>
+              <a:t>2024-02-15</a:t>
             </a:fld>
             <a:endParaRPr lang="ko-KR" altLang="en-US"/>
           </a:p>
@@ -593,7 +593,7 @@
           <a:p>
             <a:fld id="{3C698B4D-7A14-4A28-B39D-D02AF49E47D1}" type="datetimeFigureOut">
               <a:rPr lang="ko-KR" altLang="en-US" smtClean="0"/>
-              <a:t>2022-10-14</a:t>
+              <a:t>2024-02-15</a:t>
             </a:fld>
             <a:endParaRPr lang="ko-KR" altLang="en-US"/>
           </a:p>
@@ -763,7 +763,7 @@
           <a:p>
             <a:fld id="{3C698B4D-7A14-4A28-B39D-D02AF49E47D1}" type="datetimeFigureOut">
               <a:rPr lang="ko-KR" altLang="en-US" smtClean="0"/>
-              <a:t>2022-10-14</a:t>
+              <a:t>2024-02-15</a:t>
             </a:fld>
             <a:endParaRPr lang="ko-KR" altLang="en-US"/>
           </a:p>
@@ -1009,7 +1009,7 @@
           <a:p>
             <a:fld id="{3C698B4D-7A14-4A28-B39D-D02AF49E47D1}" type="datetimeFigureOut">
               <a:rPr lang="ko-KR" altLang="en-US" smtClean="0"/>
-              <a:t>2022-10-14</a:t>
+              <a:t>2024-02-15</a:t>
             </a:fld>
             <a:endParaRPr lang="ko-KR" altLang="en-US"/>
           </a:p>
@@ -1241,7 +1241,7 @@
           <a:p>
             <a:fld id="{3C698B4D-7A14-4A28-B39D-D02AF49E47D1}" type="datetimeFigureOut">
               <a:rPr lang="ko-KR" altLang="en-US" smtClean="0"/>
-              <a:t>2022-10-14</a:t>
+              <a:t>2024-02-15</a:t>
             </a:fld>
             <a:endParaRPr lang="ko-KR" altLang="en-US"/>
           </a:p>
@@ -1608,7 +1608,7 @@
           <a:p>
             <a:fld id="{3C698B4D-7A14-4A28-B39D-D02AF49E47D1}" type="datetimeFigureOut">
               <a:rPr lang="ko-KR" altLang="en-US" smtClean="0"/>
-              <a:t>2022-10-14</a:t>
+              <a:t>2024-02-15</a:t>
             </a:fld>
             <a:endParaRPr lang="ko-KR" altLang="en-US"/>
           </a:p>
@@ -1726,7 +1726,7 @@
           <a:p>
             <a:fld id="{3C698B4D-7A14-4A28-B39D-D02AF49E47D1}" type="datetimeFigureOut">
               <a:rPr lang="ko-KR" altLang="en-US" smtClean="0"/>
-              <a:t>2022-10-14</a:t>
+              <a:t>2024-02-15</a:t>
             </a:fld>
             <a:endParaRPr lang="ko-KR" altLang="en-US"/>
           </a:p>
@@ -1821,7 +1821,7 @@
           <a:p>
             <a:fld id="{3C698B4D-7A14-4A28-B39D-D02AF49E47D1}" type="datetimeFigureOut">
               <a:rPr lang="ko-KR" altLang="en-US" smtClean="0"/>
-              <a:t>2022-10-14</a:t>
+              <a:t>2024-02-15</a:t>
             </a:fld>
             <a:endParaRPr lang="ko-KR" altLang="en-US"/>
           </a:p>
@@ -2098,7 +2098,7 @@
           <a:p>
             <a:fld id="{3C698B4D-7A14-4A28-B39D-D02AF49E47D1}" type="datetimeFigureOut">
               <a:rPr lang="ko-KR" altLang="en-US" smtClean="0"/>
-              <a:t>2022-10-14</a:t>
+              <a:t>2024-02-15</a:t>
             </a:fld>
             <a:endParaRPr lang="ko-KR" altLang="en-US"/>
           </a:p>
@@ -2355,7 +2355,7 @@
           <a:p>
             <a:fld id="{3C698B4D-7A14-4A28-B39D-D02AF49E47D1}" type="datetimeFigureOut">
               <a:rPr lang="ko-KR" altLang="en-US" smtClean="0"/>
-              <a:t>2022-10-14</a:t>
+              <a:t>2024-02-15</a:t>
             </a:fld>
             <a:endParaRPr lang="ko-KR" altLang="en-US"/>
           </a:p>
@@ -2568,7 +2568,7 @@
           <a:p>
             <a:fld id="{3C698B4D-7A14-4A28-B39D-D02AF49E47D1}" type="datetimeFigureOut">
               <a:rPr lang="ko-KR" altLang="en-US" smtClean="0"/>
-              <a:t>2022-10-14</a:t>
+              <a:t>2024-02-15</a:t>
             </a:fld>
             <a:endParaRPr lang="ko-KR" altLang="en-US"/>
           </a:p>
@@ -3062,7 +3062,7 @@
           <a:p>
             <a:pPr algn="ctr"/>
             <a:r>
-              <a:rPr lang="en-US" altLang="ko-KR" sz="2400" b="1">
+              <a:rPr lang="en-US" altLang="ko-KR" sz="2400" b="1" dirty="0">
                 <a:solidFill>
                   <a:schemeClr val="bg1"/>
                 </a:solidFill>
@@ -3070,10 +3070,10 @@
                 <a:ea typeface="나눔스퀘어 Bold" panose="020B0600000101010101" pitchFamily="50" charset="-127"/>
                 <a:cs typeface="Times New Roman" panose="02020603050405020304" pitchFamily="18" charset="0"/>
               </a:rPr>
-              <a:t>2022 6</a:t>
-            </a:r>
-            <a:r>
-              <a:rPr lang="en-US" altLang="ko-KR" sz="2400" b="1" baseline="30000">
+              <a:t>2023 7</a:t>
+            </a:r>
+            <a:r>
+              <a:rPr lang="en-US" altLang="ko-KR" sz="2400" b="1" baseline="30000" dirty="0">
                 <a:solidFill>
                   <a:schemeClr val="bg1"/>
                 </a:solidFill>
@@ -3084,17 +3084,6 @@
               <a:t>th</a:t>
             </a:r>
             <a:r>
-              <a:rPr lang="en-US" altLang="ko-KR" sz="2400" b="1">
-                <a:solidFill>
-                  <a:schemeClr val="bg1"/>
-                </a:solidFill>
-                <a:latin typeface="나눔스퀘어 Bold" panose="020B0600000101010101" pitchFamily="50" charset="-127"/>
-                <a:ea typeface="나눔스퀘어 Bold" panose="020B0600000101010101" pitchFamily="50" charset="-127"/>
-                <a:cs typeface="Times New Roman" panose="02020603050405020304" pitchFamily="18" charset="0"/>
-              </a:rPr>
-              <a:t> </a:t>
-            </a:r>
-            <a:r>
               <a:rPr lang="en-US" altLang="ko-KR" sz="2400" b="1" dirty="0">
                 <a:solidFill>
                   <a:schemeClr val="bg1"/>
@@ -3103,7 +3092,7 @@
                 <a:ea typeface="나눔스퀘어 Bold" panose="020B0600000101010101" pitchFamily="50" charset="-127"/>
                 <a:cs typeface="Times New Roman" panose="02020603050405020304" pitchFamily="18" charset="0"/>
               </a:rPr>
-              <a:t>Symposium on AI-Embedded System-on-Chip</a:t>
+              <a:t> Symposium on AI-Embedded System-on-Chip</a:t>
             </a:r>
           </a:p>
           <a:p>
@@ -3116,8 +3105,25 @@
                 <a:latin typeface="Titillium Web" panose="00000500000000000000" pitchFamily="2" charset="0"/>
                 <a:cs typeface="Times New Roman" panose="02020603050405020304" pitchFamily="18" charset="0"/>
               </a:rPr>
-              <a:t>Kyungpook National University, Daehak-ro 80, No. 724, Daegu, Korea, Aug. 29, 2022</a:t>
-            </a:r>
+              <a:t>Kyungpook National University, Daehak-ro 80, No. 724, Daegu, Korea, Sept. 25</a:t>
+            </a:r>
+            <a:r>
+              <a:rPr lang="en-US" altLang="ko-KR" sz="1400" b="1">
+                <a:solidFill>
+                  <a:schemeClr val="bg1"/>
+                </a:solidFill>
+                <a:latin typeface="Titillium Web" panose="00000500000000000000" pitchFamily="2" charset="0"/>
+                <a:cs typeface="Times New Roman" panose="02020603050405020304" pitchFamily="18" charset="0"/>
+              </a:rPr>
+              <a:t>, 2023</a:t>
+            </a:r>
+            <a:endParaRPr lang="en-US" altLang="ko-KR" sz="1400" b="1" dirty="0">
+              <a:solidFill>
+                <a:schemeClr val="bg1"/>
+              </a:solidFill>
+              <a:latin typeface="Titillium Web" panose="00000500000000000000" pitchFamily="2" charset="0"/>
+              <a:cs typeface="Times New Roman" panose="02020603050405020304" pitchFamily="18" charset="0"/>
+            </a:endParaRPr>
           </a:p>
           <a:p>
             <a:pPr algn="ctr"/>

--- a/symposium/6th/img/cover.pptx
+++ b/symposium/6th/img/cover.pptx
@@ -3070,7 +3070,7 @@
                 <a:ea typeface="나눔스퀘어 Bold" panose="020B0600000101010101" pitchFamily="50" charset="-127"/>
                 <a:cs typeface="Times New Roman" panose="02020603050405020304" pitchFamily="18" charset="0"/>
               </a:rPr>
-              <a:t>2023 7</a:t>
+              <a:t>2022 6</a:t>
             </a:r>
             <a:r>
               <a:rPr lang="en-US" altLang="ko-KR" sz="2400" b="1" baseline="30000" dirty="0">
@@ -3105,7 +3105,7 @@
                 <a:latin typeface="Titillium Web" panose="00000500000000000000" pitchFamily="2" charset="0"/>
                 <a:cs typeface="Times New Roman" panose="02020603050405020304" pitchFamily="18" charset="0"/>
               </a:rPr>
-              <a:t>Kyungpook National University, Daehak-ro 80, No. 724, Daegu, Korea, Sept. 25</a:t>
+              <a:t>Kyungpook National University, Daehak-ro 80, No. 724, Daegu, Korea, Oct. </a:t>
             </a:r>
             <a:r>
               <a:rPr lang="en-US" altLang="ko-KR" sz="1400" b="1">
@@ -3115,15 +3115,18 @@
                 <a:latin typeface="Titillium Web" panose="00000500000000000000" pitchFamily="2" charset="0"/>
                 <a:cs typeface="Times New Roman" panose="02020603050405020304" pitchFamily="18" charset="0"/>
               </a:rPr>
-              <a:t>, 2023</a:t>
-            </a:r>
-            <a:endParaRPr lang="en-US" altLang="ko-KR" sz="1400" b="1" dirty="0">
-              <a:solidFill>
-                <a:schemeClr val="bg1"/>
-              </a:solidFill>
-              <a:latin typeface="Titillium Web" panose="00000500000000000000" pitchFamily="2" charset="0"/>
-              <a:cs typeface="Times New Roman" panose="02020603050405020304" pitchFamily="18" charset="0"/>
-            </a:endParaRPr>
+              <a:t>28, </a:t>
+            </a:r>
+            <a:r>
+              <a:rPr lang="en-US" altLang="ko-KR" sz="1400" b="1" dirty="0">
+                <a:solidFill>
+                  <a:schemeClr val="bg1"/>
+                </a:solidFill>
+                <a:latin typeface="Titillium Web" panose="00000500000000000000" pitchFamily="2" charset="0"/>
+                <a:cs typeface="Times New Roman" panose="02020603050405020304" pitchFamily="18" charset="0"/>
+              </a:rPr>
+              <a:t>2022</a:t>
+            </a:r>
           </a:p>
           <a:p>
             <a:pPr algn="ctr"/>
